--- a/5) Estimación Retornos.pptx
+++ b/5) Estimación Retornos.pptx
@@ -154,7 +154,7 @@
 <file path=ppt/revisionInfo.xml><?xml version="1.0" encoding="utf-8"?>
 <p1510:revInfo xmlns:a="http://schemas.openxmlformats.org/drawingml/2006/main" xmlns:r="http://schemas.openxmlformats.org/officeDocument/2006/relationships" xmlns:p1510="http://schemas.microsoft.com/office/powerpoint/2015/10/main">
   <p1510:revLst>
-    <p1510:client id="{04E8D981-C179-4E22-8C09-A8BDB4B66A32}" v="2864" dt="2023-02-13T20:58:38.203"/>
+    <p1510:client id="{04E8D981-C179-4E22-8C09-A8BDB4B66A32}" v="3000" dt="2023-02-17T17:13:29.181"/>
   </p1510:revLst>
 </p1510:revInfo>
 </file>
@@ -821,7 +821,7 @@
   <pc:docChgLst>
     <pc:chgData name="Jorge Esteban Camargo Forero" userId="ee79e5f4-13e3-4b16-9a8f-d9656972343c" providerId="ADAL" clId="{04E8D981-C179-4E22-8C09-A8BDB4B66A32}"/>
     <pc:docChg chg="undo custSel addSld delSld modSld sldOrd">
-      <pc:chgData name="Jorge Esteban Camargo Forero" userId="ee79e5f4-13e3-4b16-9a8f-d9656972343c" providerId="ADAL" clId="{04E8D981-C179-4E22-8C09-A8BDB4B66A32}" dt="2023-02-14T14:50:18.260" v="5662" actId="20577"/>
+      <pc:chgData name="Jorge Esteban Camargo Forero" userId="ee79e5f4-13e3-4b16-9a8f-d9656972343c" providerId="ADAL" clId="{04E8D981-C179-4E22-8C09-A8BDB4B66A32}" dt="2023-02-17T17:13:29.181" v="5796" actId="20577"/>
       <pc:docMkLst>
         <pc:docMk/>
       </pc:docMkLst>
@@ -947,6 +947,21 @@
             <ac:picMk id="10" creationId="{729F215C-0C79-F5D2-37EB-C209E8895994}"/>
           </ac:picMkLst>
         </pc:picChg>
+      </pc:sldChg>
+      <pc:sldChg chg="modSp">
+        <pc:chgData name="Jorge Esteban Camargo Forero" userId="ee79e5f4-13e3-4b16-9a8f-d9656972343c" providerId="ADAL" clId="{04E8D981-C179-4E22-8C09-A8BDB4B66A32}" dt="2023-02-17T16:51:21.140" v="5736" actId="20577"/>
+        <pc:sldMkLst>
+          <pc:docMk/>
+          <pc:sldMk cId="2622309236" sldId="406"/>
+        </pc:sldMkLst>
+        <pc:spChg chg="mod">
+          <ac:chgData name="Jorge Esteban Camargo Forero" userId="ee79e5f4-13e3-4b16-9a8f-d9656972343c" providerId="ADAL" clId="{04E8D981-C179-4E22-8C09-A8BDB4B66A32}" dt="2023-02-17T16:51:21.140" v="5736" actId="20577"/>
+          <ac:spMkLst>
+            <pc:docMk/>
+            <pc:sldMk cId="2622309236" sldId="406"/>
+            <ac:spMk id="10" creationId="{0581A8C6-76CA-9DBF-9878-AEDB5DC12D95}"/>
+          </ac:spMkLst>
+        </pc:spChg>
       </pc:sldChg>
       <pc:sldChg chg="addSp delSp modSp mod">
         <pc:chgData name="Jorge Esteban Camargo Forero" userId="ee79e5f4-13e3-4b16-9a8f-d9656972343c" providerId="ADAL" clId="{04E8D981-C179-4E22-8C09-A8BDB4B66A32}" dt="2023-02-07T13:08:18.851" v="33" actId="1035"/>
@@ -1122,13 +1137,13 @@
         </pc:spChg>
       </pc:sldChg>
       <pc:sldChg chg="addSp delSp modSp add mod">
-        <pc:chgData name="Jorge Esteban Camargo Forero" userId="ee79e5f4-13e3-4b16-9a8f-d9656972343c" providerId="ADAL" clId="{04E8D981-C179-4E22-8C09-A8BDB4B66A32}" dt="2023-02-12T21:39:33.260" v="5598" actId="20577"/>
+        <pc:chgData name="Jorge Esteban Camargo Forero" userId="ee79e5f4-13e3-4b16-9a8f-d9656972343c" providerId="ADAL" clId="{04E8D981-C179-4E22-8C09-A8BDB4B66A32}" dt="2023-02-17T17:08:41.359" v="5756" actId="20577"/>
         <pc:sldMkLst>
           <pc:docMk/>
           <pc:sldMk cId="1898510807" sldId="417"/>
         </pc:sldMkLst>
         <pc:spChg chg="add mod">
-          <ac:chgData name="Jorge Esteban Camargo Forero" userId="ee79e5f4-13e3-4b16-9a8f-d9656972343c" providerId="ADAL" clId="{04E8D981-C179-4E22-8C09-A8BDB4B66A32}" dt="2023-02-12T21:39:33.260" v="5598" actId="20577"/>
+          <ac:chgData name="Jorge Esteban Camargo Forero" userId="ee79e5f4-13e3-4b16-9a8f-d9656972343c" providerId="ADAL" clId="{04E8D981-C179-4E22-8C09-A8BDB4B66A32}" dt="2023-02-17T17:08:41.359" v="5756" actId="20577"/>
           <ac:spMkLst>
             <pc:docMk/>
             <pc:sldMk cId="1898510807" sldId="417"/>
@@ -1145,13 +1160,13 @@
         </pc:spChg>
       </pc:sldChg>
       <pc:sldChg chg="modSp add mod">
-        <pc:chgData name="Jorge Esteban Camargo Forero" userId="ee79e5f4-13e3-4b16-9a8f-d9656972343c" providerId="ADAL" clId="{04E8D981-C179-4E22-8C09-A8BDB4B66A32}" dt="2023-02-07T15:55:46.807" v="3939" actId="20577"/>
+        <pc:chgData name="Jorge Esteban Camargo Forero" userId="ee79e5f4-13e3-4b16-9a8f-d9656972343c" providerId="ADAL" clId="{04E8D981-C179-4E22-8C09-A8BDB4B66A32}" dt="2023-02-17T17:13:29.181" v="5796" actId="20577"/>
         <pc:sldMkLst>
           <pc:docMk/>
           <pc:sldMk cId="4273946368" sldId="418"/>
         </pc:sldMkLst>
         <pc:spChg chg="mod">
-          <ac:chgData name="Jorge Esteban Camargo Forero" userId="ee79e5f4-13e3-4b16-9a8f-d9656972343c" providerId="ADAL" clId="{04E8D981-C179-4E22-8C09-A8BDB4B66A32}" dt="2023-02-07T15:55:46.807" v="3939" actId="20577"/>
+          <ac:chgData name="Jorge Esteban Camargo Forero" userId="ee79e5f4-13e3-4b16-9a8f-d9656972343c" providerId="ADAL" clId="{04E8D981-C179-4E22-8C09-A8BDB4B66A32}" dt="2023-02-17T17:13:29.181" v="5796" actId="20577"/>
           <ac:spMkLst>
             <pc:docMk/>
             <pc:sldMk cId="4273946368" sldId="418"/>
@@ -1160,13 +1175,13 @@
         </pc:spChg>
       </pc:sldChg>
       <pc:sldChg chg="modSp add mod">
-        <pc:chgData name="Jorge Esteban Camargo Forero" userId="ee79e5f4-13e3-4b16-9a8f-d9656972343c" providerId="ADAL" clId="{04E8D981-C179-4E22-8C09-A8BDB4B66A32}" dt="2023-02-12T21:47:58.577" v="5599" actId="20577"/>
+        <pc:chgData name="Jorge Esteban Camargo Forero" userId="ee79e5f4-13e3-4b16-9a8f-d9656972343c" providerId="ADAL" clId="{04E8D981-C179-4E22-8C09-A8BDB4B66A32}" dt="2023-02-17T17:12:19.724" v="5784" actId="20577"/>
         <pc:sldMkLst>
           <pc:docMk/>
           <pc:sldMk cId="3687848238" sldId="419"/>
         </pc:sldMkLst>
         <pc:spChg chg="mod">
-          <ac:chgData name="Jorge Esteban Camargo Forero" userId="ee79e5f4-13e3-4b16-9a8f-d9656972343c" providerId="ADAL" clId="{04E8D981-C179-4E22-8C09-A8BDB4B66A32}" dt="2023-02-12T21:47:58.577" v="5599" actId="20577"/>
+          <ac:chgData name="Jorge Esteban Camargo Forero" userId="ee79e5f4-13e3-4b16-9a8f-d9656972343c" providerId="ADAL" clId="{04E8D981-C179-4E22-8C09-A8BDB4B66A32}" dt="2023-02-17T17:12:19.724" v="5784" actId="20577"/>
           <ac:spMkLst>
             <pc:docMk/>
             <pc:sldMk cId="3687848238" sldId="419"/>
@@ -1975,7 +1990,7 @@
           <a:p>
             <a:fld id="{DC2BC2C3-0C40-4D96-9115-8FFD9EAE9C93}" type="datetimeFigureOut">
               <a:rPr lang="es-CO" smtClean="0"/>
-              <a:t>14/02/2023</a:t>
+              <a:t>17/02/2023</a:t>
             </a:fld>
             <a:endParaRPr lang="es-CO"/>
           </a:p>
@@ -2134,7 +2149,7 @@
           <a:p>
             <a:fld id="{5A82444B-9915-44AD-902E-AFB63231AF50}" type="slidenum">
               <a:rPr lang="es-CO" smtClean="0"/>
-              <a:t>‹Nº›</a:t>
+              <a:t>‹#›</a:t>
             </a:fld>
             <a:endParaRPr lang="es-CO"/>
           </a:p>
@@ -4624,7 +4639,7 @@
           <a:p>
             <a:fld id="{F1F902F5-E850-452C-9729-2FF3814A0DA3}" type="datetimeFigureOut">
               <a:rPr lang="es-CO" smtClean="0"/>
-              <a:t>14/02/2023</a:t>
+              <a:t>17/02/2023</a:t>
             </a:fld>
             <a:endParaRPr lang="es-CO"/>
           </a:p>
@@ -4678,7 +4693,7 @@
           <a:p>
             <a:fld id="{3E43F550-946A-4DA2-84F1-BEA8E397F847}" type="slidenum">
               <a:rPr lang="es-CO" smtClean="0"/>
-              <a:t>‹Nº›</a:t>
+              <a:t>‹#›</a:t>
             </a:fld>
             <a:endParaRPr lang="es-CO"/>
           </a:p>
@@ -4824,7 +4839,7 @@
           <a:p>
             <a:fld id="{F1F902F5-E850-452C-9729-2FF3814A0DA3}" type="datetimeFigureOut">
               <a:rPr lang="es-CO" smtClean="0"/>
-              <a:t>14/02/2023</a:t>
+              <a:t>17/02/2023</a:t>
             </a:fld>
             <a:endParaRPr lang="es-CO"/>
           </a:p>
@@ -4878,7 +4893,7 @@
           <a:p>
             <a:fld id="{3E43F550-946A-4DA2-84F1-BEA8E397F847}" type="slidenum">
               <a:rPr lang="es-CO" smtClean="0"/>
-              <a:t>‹Nº›</a:t>
+              <a:t>‹#›</a:t>
             </a:fld>
             <a:endParaRPr lang="es-CO"/>
           </a:p>
@@ -5034,7 +5049,7 @@
           <a:p>
             <a:fld id="{F1F902F5-E850-452C-9729-2FF3814A0DA3}" type="datetimeFigureOut">
               <a:rPr lang="es-CO" smtClean="0"/>
-              <a:t>14/02/2023</a:t>
+              <a:t>17/02/2023</a:t>
             </a:fld>
             <a:endParaRPr lang="es-CO"/>
           </a:p>
@@ -5088,7 +5103,7 @@
           <a:p>
             <a:fld id="{3E43F550-946A-4DA2-84F1-BEA8E397F847}" type="slidenum">
               <a:rPr lang="es-CO" smtClean="0"/>
-              <a:t>‹Nº›</a:t>
+              <a:t>‹#›</a:t>
             </a:fld>
             <a:endParaRPr lang="es-CO"/>
           </a:p>
@@ -5177,7 +5192,7 @@
           <a:lstStyle/>
           <a:p>
             <a:fld id="{86CB4B4D-7CA3-9044-876B-883B54F8677D}" type="slidenum">
-              <a:t>‹Nº›</a:t>
+              <a:t>‹#›</a:t>
             </a:fld>
             <a:endParaRPr/>
           </a:p>
@@ -5238,7 +5253,7 @@
           <a:lstStyle/>
           <a:p>
             <a:fld id="{86CB4B4D-7CA3-9044-876B-883B54F8677D}" type="slidenum">
-              <a:t>‹Nº›</a:t>
+              <a:t>‹#›</a:t>
             </a:fld>
             <a:endParaRPr/>
           </a:p>
@@ -5385,7 +5400,7 @@
           <a:p>
             <a:fld id="{F1F902F5-E850-452C-9729-2FF3814A0DA3}" type="datetimeFigureOut">
               <a:rPr lang="es-CO" smtClean="0"/>
-              <a:t>14/02/2023</a:t>
+              <a:t>17/02/2023</a:t>
             </a:fld>
             <a:endParaRPr lang="es-CO"/>
           </a:p>
@@ -5439,7 +5454,7 @@
           <a:p>
             <a:fld id="{3E43F550-946A-4DA2-84F1-BEA8E397F847}" type="slidenum">
               <a:rPr lang="es-CO" smtClean="0"/>
-              <a:t>‹Nº›</a:t>
+              <a:t>‹#›</a:t>
             </a:fld>
             <a:endParaRPr lang="es-CO"/>
           </a:p>
@@ -5661,7 +5676,7 @@
           <a:p>
             <a:fld id="{F1F902F5-E850-452C-9729-2FF3814A0DA3}" type="datetimeFigureOut">
               <a:rPr lang="es-CO" smtClean="0"/>
-              <a:t>14/02/2023</a:t>
+              <a:t>17/02/2023</a:t>
             </a:fld>
             <a:endParaRPr lang="es-CO"/>
           </a:p>
@@ -5715,7 +5730,7 @@
           <a:p>
             <a:fld id="{3E43F550-946A-4DA2-84F1-BEA8E397F847}" type="slidenum">
               <a:rPr lang="es-CO" smtClean="0"/>
-              <a:t>‹Nº›</a:t>
+              <a:t>‹#›</a:t>
             </a:fld>
             <a:endParaRPr lang="es-CO"/>
           </a:p>
@@ -5929,7 +5944,7 @@
           <a:p>
             <a:fld id="{F1F902F5-E850-452C-9729-2FF3814A0DA3}" type="datetimeFigureOut">
               <a:rPr lang="es-CO" smtClean="0"/>
-              <a:t>14/02/2023</a:t>
+              <a:t>17/02/2023</a:t>
             </a:fld>
             <a:endParaRPr lang="es-CO"/>
           </a:p>
@@ -5983,7 +5998,7 @@
           <a:p>
             <a:fld id="{3E43F550-946A-4DA2-84F1-BEA8E397F847}" type="slidenum">
               <a:rPr lang="es-CO" smtClean="0"/>
-              <a:t>‹Nº›</a:t>
+              <a:t>‹#›</a:t>
             </a:fld>
             <a:endParaRPr lang="es-CO"/>
           </a:p>
@@ -6344,7 +6359,7 @@
           <a:p>
             <a:fld id="{F1F902F5-E850-452C-9729-2FF3814A0DA3}" type="datetimeFigureOut">
               <a:rPr lang="es-CO" smtClean="0"/>
-              <a:t>14/02/2023</a:t>
+              <a:t>17/02/2023</a:t>
             </a:fld>
             <a:endParaRPr lang="es-CO"/>
           </a:p>
@@ -6398,7 +6413,7 @@
           <a:p>
             <a:fld id="{3E43F550-946A-4DA2-84F1-BEA8E397F847}" type="slidenum">
               <a:rPr lang="es-CO" smtClean="0"/>
-              <a:t>‹Nº›</a:t>
+              <a:t>‹#›</a:t>
             </a:fld>
             <a:endParaRPr lang="es-CO"/>
           </a:p>
@@ -6486,7 +6501,7 @@
           <a:p>
             <a:fld id="{F1F902F5-E850-452C-9729-2FF3814A0DA3}" type="datetimeFigureOut">
               <a:rPr lang="es-CO" smtClean="0"/>
-              <a:t>14/02/2023</a:t>
+              <a:t>17/02/2023</a:t>
             </a:fld>
             <a:endParaRPr lang="es-CO"/>
           </a:p>
@@ -6540,7 +6555,7 @@
           <a:p>
             <a:fld id="{3E43F550-946A-4DA2-84F1-BEA8E397F847}" type="slidenum">
               <a:rPr lang="es-CO" smtClean="0"/>
-              <a:t>‹Nº›</a:t>
+              <a:t>‹#›</a:t>
             </a:fld>
             <a:endParaRPr lang="es-CO"/>
           </a:p>
@@ -6599,7 +6614,7 @@
           <a:p>
             <a:fld id="{F1F902F5-E850-452C-9729-2FF3814A0DA3}" type="datetimeFigureOut">
               <a:rPr lang="es-CO" smtClean="0"/>
-              <a:t>14/02/2023</a:t>
+              <a:t>17/02/2023</a:t>
             </a:fld>
             <a:endParaRPr lang="es-CO"/>
           </a:p>
@@ -6653,7 +6668,7 @@
           <a:p>
             <a:fld id="{3E43F550-946A-4DA2-84F1-BEA8E397F847}" type="slidenum">
               <a:rPr lang="es-CO" smtClean="0"/>
-              <a:t>‹Nº›</a:t>
+              <a:t>‹#›</a:t>
             </a:fld>
             <a:endParaRPr lang="es-CO"/>
           </a:p>
@@ -6912,7 +6927,7 @@
           <a:p>
             <a:fld id="{F1F902F5-E850-452C-9729-2FF3814A0DA3}" type="datetimeFigureOut">
               <a:rPr lang="es-CO" smtClean="0"/>
-              <a:t>14/02/2023</a:t>
+              <a:t>17/02/2023</a:t>
             </a:fld>
             <a:endParaRPr lang="es-CO"/>
           </a:p>
@@ -6966,7 +6981,7 @@
           <a:p>
             <a:fld id="{3E43F550-946A-4DA2-84F1-BEA8E397F847}" type="slidenum">
               <a:rPr lang="es-CO" smtClean="0"/>
-              <a:t>‹Nº›</a:t>
+              <a:t>‹#›</a:t>
             </a:fld>
             <a:endParaRPr lang="es-CO"/>
           </a:p>
@@ -7201,7 +7216,7 @@
           <a:p>
             <a:fld id="{F1F902F5-E850-452C-9729-2FF3814A0DA3}" type="datetimeFigureOut">
               <a:rPr lang="es-CO" smtClean="0"/>
-              <a:t>14/02/2023</a:t>
+              <a:t>17/02/2023</a:t>
             </a:fld>
             <a:endParaRPr lang="es-CO"/>
           </a:p>
@@ -7255,7 +7270,7 @@
           <a:p>
             <a:fld id="{3E43F550-946A-4DA2-84F1-BEA8E397F847}" type="slidenum">
               <a:rPr lang="es-CO" smtClean="0"/>
-              <a:t>‹Nº›</a:t>
+              <a:t>‹#›</a:t>
             </a:fld>
             <a:endParaRPr lang="es-CO"/>
           </a:p>
@@ -7444,7 +7459,7 @@
           <a:p>
             <a:fld id="{F1F902F5-E850-452C-9729-2FF3814A0DA3}" type="datetimeFigureOut">
               <a:rPr lang="es-CO" smtClean="0"/>
-              <a:t>14/02/2023</a:t>
+              <a:t>17/02/2023</a:t>
             </a:fld>
             <a:endParaRPr lang="es-CO"/>
           </a:p>
@@ -7534,7 +7549,7 @@
           <a:p>
             <a:fld id="{3E43F550-946A-4DA2-84F1-BEA8E397F847}" type="slidenum">
               <a:rPr lang="es-CO" smtClean="0"/>
-              <a:t>‹Nº›</a:t>
+              <a:t>‹#›</a:t>
             </a:fld>
             <a:endParaRPr lang="es-CO"/>
           </a:p>
@@ -8413,7 +8428,7 @@
                   <a14:useLocalDpi xmlns:a14="http://schemas.microsoft.com/office/drawing/2010/main"/>
                 </a:ext>
                 <a:ext uri="{96DAC541-7B7A-43D3-8B79-37D633B846F1}">
-                  <asvg:svgBlip xmlns:asvg="http://schemas.microsoft.com/office/drawing/2016/SVG/main" xmlns="" r:embed="rId3"/>
+                  <asvg:svgBlip xmlns:asvg="http://schemas.microsoft.com/office/drawing/2016/SVG/main" r:embed="rId3"/>
                 </a:ext>
               </a:extLst>
             </a:blip>
@@ -10256,7 +10271,7 @@
           </a:ln>
           <a:extLst>
             <a:ext uri="{C572A759-6A51-4108-AA02-DFA0A04FC94B}">
-              <ma14:wrappingTextBoxFlag xmlns="" xmlns:ma14="http://schemas.microsoft.com/office/mac/drawingml/2011/main" xmlns:a14="http://schemas.microsoft.com/office/drawing/2010/main" xmlns:m="http://schemas.openxmlformats.org/officeDocument/2006/math" val="1"/>
+              <ma14:wrappingTextBoxFlag xmlns:m="http://schemas.openxmlformats.org/officeDocument/2006/math" xmlns:a14="http://schemas.microsoft.com/office/drawing/2010/main" xmlns:ma14="http://schemas.microsoft.com/office/mac/drawingml/2011/main" xmlns="" val="1"/>
             </a:ext>
           </a:extLst>
         </p:spPr>
@@ -12031,7 +12046,7 @@
           </a:ln>
           <a:extLst>
             <a:ext uri="{C572A759-6A51-4108-AA02-DFA0A04FC94B}">
-              <ma14:wrappingTextBoxFlag xmlns="" xmlns:ma14="http://schemas.microsoft.com/office/mac/drawingml/2011/main" xmlns:a14="http://schemas.microsoft.com/office/drawing/2010/main" xmlns:m="http://schemas.openxmlformats.org/officeDocument/2006/math" val="1"/>
+              <ma14:wrappingTextBoxFlag xmlns:m="http://schemas.openxmlformats.org/officeDocument/2006/math" xmlns:a14="http://schemas.microsoft.com/office/drawing/2010/main" xmlns:ma14="http://schemas.microsoft.com/office/mac/drawingml/2011/main" xmlns="" val="1"/>
             </a:ext>
           </a:extLst>
         </p:spPr>
@@ -12314,8 +12329,8 @@
           </a:p>
         </p:txBody>
       </p:sp>
-      <mc:AlternateContent xmlns:mc="http://schemas.openxmlformats.org/markup-compatibility/2006" xmlns:a14="http://schemas.microsoft.com/office/drawing/2010/main">
-        <mc:Choice Requires="a14">
+      <mc:AlternateContent xmlns:mc="http://schemas.openxmlformats.org/markup-compatibility/2006">
+        <mc:Choice xmlns:a14="http://schemas.microsoft.com/office/drawing/2010/main" Requires="a14">
           <p:sp>
             <p:nvSpPr>
               <p:cNvPr id="10" name="CuadroTexto 9">
@@ -12607,6 +12622,22 @@
                             </a:rPr>
                             <m:t>𝑡</m:t>
                           </m:r>
+                          <m:r>
+                            <a:rPr lang="es-CO" sz="1600" b="0" i="1" smtClean="0">
+                              <a:latin typeface="Cambria Math" panose="02040503050406030204" pitchFamily="18" charset="0"/>
+                              <a:ea typeface="Times New Roman" panose="02020603050405020304" pitchFamily="18" charset="0"/>
+                              <a:cs typeface="Times New Roman" panose="02020603050405020304" pitchFamily="18" charset="0"/>
+                            </a:rPr>
+                            <m:t>,2</m:t>
+                          </m:r>
+                          <m:r>
+                            <a:rPr lang="es-CO" sz="1600" b="0" i="1" smtClean="0">
+                              <a:latin typeface="Cambria Math" panose="02040503050406030204" pitchFamily="18" charset="0"/>
+                              <a:ea typeface="Times New Roman" panose="02020603050405020304" pitchFamily="18" charset="0"/>
+                              <a:cs typeface="Times New Roman" panose="02020603050405020304" pitchFamily="18" charset="0"/>
+                            </a:rPr>
+                            <m:t>𝑌</m:t>
+                          </m:r>
                         </m:sub>
                       </m:sSub>
                       <m:r>
@@ -12623,7 +12654,7 @@
                           <m:subHide m:val="on"/>
                           <m:supHide m:val="on"/>
                           <m:ctrlPr>
-                            <a:rPr lang="es-CO" sz="1600" i="1">
+                            <a:rPr lang="es-CO" sz="1600" b="0" i="1" smtClean="0">
                               <a:latin typeface="Cambria Math" panose="02040503050406030204" pitchFamily="18" charset="0"/>
                               <a:cs typeface="Times New Roman" panose="02020603050405020304" pitchFamily="18" charset="0"/>
                             </a:rPr>
@@ -12632,61 +12663,134 @@
                         <m:sub/>
                         <m:sup/>
                         <m:e>
-                          <m:r>
-                            <m:rPr>
-                              <m:sty m:val="p"/>
-                            </m:rPr>
-                            <a:rPr lang="es-CO" sz="1600">
-                              <a:latin typeface="Cambria Math" panose="02040503050406030204" pitchFamily="18" charset="0"/>
-                              <a:ea typeface="Times New Roman" panose="02020603050405020304" pitchFamily="18" charset="0"/>
-                              <a:cs typeface="Times New Roman" panose="02020603050405020304" pitchFamily="18" charset="0"/>
-                            </a:rPr>
-                            <m:t>ln</m:t>
-                          </m:r>
-                          <m:d>
-                            <m:dPr>
+                          <m:func>
+                            <m:funcPr>
                               <m:ctrlPr>
-                                <a:rPr lang="es-CO" sz="1600" i="1">
+                                <a:rPr lang="es-CO" sz="1600" b="0" i="1" smtClean="0">
                                   <a:latin typeface="Cambria Math" panose="02040503050406030204" pitchFamily="18" charset="0"/>
-                                  <a:ea typeface="Times New Roman" panose="02020603050405020304" pitchFamily="18" charset="0"/>
                                   <a:cs typeface="Times New Roman" panose="02020603050405020304" pitchFamily="18" charset="0"/>
                                 </a:rPr>
                               </m:ctrlPr>
-                            </m:dPr>
-                            <m:e>
-                              <m:sSub>
-                                <m:sSubPr>
+                            </m:funcPr>
+                            <m:fName>
+                              <m:sPre>
+                                <m:sPrePr>
                                   <m:ctrlPr>
-                                    <a:rPr lang="es-CO" sz="1600" i="1">
+                                    <a:rPr lang="es-CO" sz="1600" b="1" dirty="0" smtClean="0">
                                       <a:latin typeface="Cambria Math" panose="02040503050406030204" pitchFamily="18" charset="0"/>
-                                      <a:ea typeface="Times New Roman" panose="02020603050405020304" pitchFamily="18" charset="0"/>
                                       <a:cs typeface="Times New Roman" panose="02020603050405020304" pitchFamily="18" charset="0"/>
                                     </a:rPr>
                                   </m:ctrlPr>
-                                </m:sSubPr>
+                                </m:sPrePr>
+                                <m:sub>
+                                  <m:eqArr>
+                                    <m:eqArrPr>
+                                      <m:ctrlPr>
+                                        <a:rPr lang="es-CO" sz="1600" b="0" i="1" dirty="0" smtClean="0">
+                                          <a:latin typeface="Cambria Math" panose="02040503050406030204" pitchFamily="18" charset="0"/>
+                                          <a:cs typeface="Times New Roman" panose="02020603050405020304" pitchFamily="18" charset="0"/>
+                                        </a:rPr>
+                                      </m:ctrlPr>
+                                    </m:eqArrPr>
+                                    <m:e>
+                                      <m:r>
+                                        <a:rPr lang="es-CO" sz="1600" b="0" i="1" dirty="0" smtClean="0">
+                                          <a:latin typeface="Cambria Math" panose="02040503050406030204" pitchFamily="18" charset="0"/>
+                                          <a:cs typeface="Times New Roman" panose="02020603050405020304" pitchFamily="18" charset="0"/>
+                                        </a:rPr>
+                                        <m:t>𝑡</m:t>
+                                      </m:r>
+                                      <m:r>
+                                        <a:rPr lang="es-CO" sz="1600" b="0" i="1" dirty="0" smtClean="0">
+                                          <a:latin typeface="Cambria Math" panose="02040503050406030204" pitchFamily="18" charset="0"/>
+                                          <a:cs typeface="Times New Roman" panose="02020603050405020304" pitchFamily="18" charset="0"/>
+                                        </a:rPr>
+                                        <m:t>=0</m:t>
+                                      </m:r>
+                                    </m:e>
+                                    <m:e/>
+                                  </m:eqArr>
+                                </m:sub>
+                                <m:sup>
+                                  <m:r>
+                                    <a:rPr lang="es-CO" sz="1600" b="0" i="1" smtClean="0">
+                                      <a:latin typeface="Cambria Math" panose="02040503050406030204" pitchFamily="18" charset="0"/>
+                                      <a:cs typeface="Times New Roman" panose="02020603050405020304" pitchFamily="18" charset="0"/>
+                                    </a:rPr>
+                                    <m:t>2</m:t>
+                                  </m:r>
+                                </m:sup>
                                 <m:e>
                                   <m:r>
-                                    <a:rPr lang="es-CO" sz="1600" i="1">
+                                    <m:rPr>
+                                      <m:sty m:val="p"/>
+                                    </m:rPr>
+                                    <a:rPr lang="es-CO" sz="1600" b="0" i="0" smtClean="0">
                                       <a:latin typeface="Cambria Math" panose="02040503050406030204" pitchFamily="18" charset="0"/>
-                                      <a:ea typeface="Times New Roman" panose="02020603050405020304" pitchFamily="18" charset="0"/>
                                       <a:cs typeface="Times New Roman" panose="02020603050405020304" pitchFamily="18" charset="0"/>
                                     </a:rPr>
-                                    <m:t>𝑟</m:t>
+                                    <m:t>ln</m:t>
                                   </m:r>
                                 </m:e>
-                                <m:sub>
-                                  <m:r>
-                                    <a:rPr lang="es-CO" sz="1600" i="1">
+                              </m:sPre>
+                            </m:fName>
+                            <m:e>
+                              <m:d>
+                                <m:dPr>
+                                  <m:ctrlPr>
+                                    <a:rPr lang="es-CO" sz="1600" b="0" i="1" smtClean="0">
                                       <a:latin typeface="Cambria Math" panose="02040503050406030204" pitchFamily="18" charset="0"/>
-                                      <a:ea typeface="Times New Roman" panose="02020603050405020304" pitchFamily="18" charset="0"/>
                                       <a:cs typeface="Times New Roman" panose="02020603050405020304" pitchFamily="18" charset="0"/>
                                     </a:rPr>
-                                    <m:t>𝑡</m:t>
-                                  </m:r>
-                                </m:sub>
-                              </m:sSub>
+                                  </m:ctrlPr>
+                                </m:dPr>
+                                <m:e>
+                                  <m:sSub>
+                                    <m:sSubPr>
+                                      <m:ctrlPr>
+                                        <a:rPr lang="es-CO" sz="1600" b="0" i="1" smtClean="0">
+                                          <a:latin typeface="Cambria Math" panose="02040503050406030204" pitchFamily="18" charset="0"/>
+                                          <a:cs typeface="Times New Roman" panose="02020603050405020304" pitchFamily="18" charset="0"/>
+                                        </a:rPr>
+                                      </m:ctrlPr>
+                                    </m:sSubPr>
+                                    <m:e>
+                                      <m:r>
+                                        <a:rPr lang="es-CO" sz="1600" b="0" i="1" smtClean="0">
+                                          <a:latin typeface="Cambria Math" panose="02040503050406030204" pitchFamily="18" charset="0"/>
+                                          <a:cs typeface="Times New Roman" panose="02020603050405020304" pitchFamily="18" charset="0"/>
+                                        </a:rPr>
+                                        <m:t>𝑟</m:t>
+                                      </m:r>
+                                    </m:e>
+                                    <m:sub>
+                                      <m:r>
+                                        <a:rPr lang="es-CO" sz="1600" b="0" i="1" smtClean="0">
+                                          <a:latin typeface="Cambria Math" panose="02040503050406030204" pitchFamily="18" charset="0"/>
+                                          <a:cs typeface="Times New Roman" panose="02020603050405020304" pitchFamily="18" charset="0"/>
+                                        </a:rPr>
+                                        <m:t>𝑡</m:t>
+                                      </m:r>
+                                      <m:r>
+                                        <a:rPr lang="es-CO" sz="1600" b="0" i="1" smtClean="0">
+                                          <a:latin typeface="Cambria Math" panose="02040503050406030204" pitchFamily="18" charset="0"/>
+                                          <a:cs typeface="Times New Roman" panose="02020603050405020304" pitchFamily="18" charset="0"/>
+                                        </a:rPr>
+                                        <m:t>,1</m:t>
+                                      </m:r>
+                                      <m:r>
+                                        <a:rPr lang="es-CO" sz="1600" b="0" i="1" smtClean="0">
+                                          <a:latin typeface="Cambria Math" panose="02040503050406030204" pitchFamily="18" charset="0"/>
+                                          <a:cs typeface="Times New Roman" panose="02020603050405020304" pitchFamily="18" charset="0"/>
+                                        </a:rPr>
+                                        <m:t>𝑦</m:t>
+                                      </m:r>
+                                    </m:sub>
+                                  </m:sSub>
+                                </m:e>
+                              </m:d>
                             </m:e>
-                          </m:d>
+                          </m:func>
                         </m:e>
                       </m:nary>
                     </m:oMath>
@@ -12702,7 +12806,7 @@
             </p:txBody>
           </p:sp>
         </mc:Choice>
-        <mc:Fallback xmlns="">
+        <mc:Fallback>
           <p:sp>
             <p:nvSpPr>
               <p:cNvPr id="10" name="CuadroTexto 9">
@@ -12737,7 +12841,7 @@
               <a:lstStyle/>
               <a:p>
                 <a:r>
-                  <a:rPr lang="en-US">
+                  <a:rPr lang="es-CO">
                     <a:noFill/>
                   </a:rPr>
                   <a:t> </a:t>
@@ -13325,7 +13429,7 @@
           </a:ln>
           <a:extLst>
             <a:ext uri="{C572A759-6A51-4108-AA02-DFA0A04FC94B}">
-              <ma14:wrappingTextBoxFlag xmlns="" xmlns:ma14="http://schemas.microsoft.com/office/mac/drawingml/2011/main" xmlns:a14="http://schemas.microsoft.com/office/drawing/2010/main" xmlns:m="http://schemas.openxmlformats.org/officeDocument/2006/math" val="1"/>
+              <ma14:wrappingTextBoxFlag xmlns:m="http://schemas.openxmlformats.org/officeDocument/2006/math" xmlns:a14="http://schemas.microsoft.com/office/drawing/2010/main" xmlns:ma14="http://schemas.microsoft.com/office/mac/drawingml/2011/main" xmlns="" val="1"/>
             </a:ext>
           </a:extLst>
         </p:spPr>
@@ -13940,7 +14044,7 @@
           </a:ln>
           <a:extLst>
             <a:ext uri="{C572A759-6A51-4108-AA02-DFA0A04FC94B}">
-              <ma14:wrappingTextBoxFlag xmlns="" xmlns:ma14="http://schemas.microsoft.com/office/mac/drawingml/2011/main" xmlns:a14="http://schemas.microsoft.com/office/drawing/2010/main" xmlns:m="http://schemas.openxmlformats.org/officeDocument/2006/math" val="1"/>
+              <ma14:wrappingTextBoxFlag xmlns:m="http://schemas.openxmlformats.org/officeDocument/2006/math" xmlns:a14="http://schemas.microsoft.com/office/drawing/2010/main" xmlns:ma14="http://schemas.microsoft.com/office/mac/drawingml/2011/main" xmlns="" val="1"/>
             </a:ext>
           </a:extLst>
         </p:spPr>
@@ -14497,7 +14601,7 @@
           </a:ln>
           <a:extLst>
             <a:ext uri="{C572A759-6A51-4108-AA02-DFA0A04FC94B}">
-              <ma14:wrappingTextBoxFlag xmlns="" xmlns:ma14="http://schemas.microsoft.com/office/mac/drawingml/2011/main" xmlns:a14="http://schemas.microsoft.com/office/drawing/2010/main" xmlns:m="http://schemas.openxmlformats.org/officeDocument/2006/math" val="1"/>
+              <ma14:wrappingTextBoxFlag xmlns:m="http://schemas.openxmlformats.org/officeDocument/2006/math" xmlns:a14="http://schemas.microsoft.com/office/drawing/2010/main" xmlns:ma14="http://schemas.microsoft.com/office/mac/drawingml/2011/main" xmlns="" val="1"/>
             </a:ext>
           </a:extLst>
         </p:spPr>
@@ -14607,7 +14711,7 @@
           </a:ln>
           <a:extLst>
             <a:ext uri="{C572A759-6A51-4108-AA02-DFA0A04FC94B}">
-              <ma14:wrappingTextBoxFlag xmlns="" xmlns:ma14="http://schemas.microsoft.com/office/mac/drawingml/2011/main" xmlns:a14="http://schemas.microsoft.com/office/drawing/2010/main" xmlns:m="http://schemas.openxmlformats.org/officeDocument/2006/math" val="1"/>
+              <ma14:wrappingTextBoxFlag xmlns:m="http://schemas.openxmlformats.org/officeDocument/2006/math" xmlns:a14="http://schemas.microsoft.com/office/drawing/2010/main" xmlns:ma14="http://schemas.microsoft.com/office/mac/drawingml/2011/main" xmlns="" val="1"/>
             </a:ext>
           </a:extLst>
         </p:spPr>
@@ -15983,7 +16087,7 @@
           </a:ln>
           <a:extLst>
             <a:ext uri="{C572A759-6A51-4108-AA02-DFA0A04FC94B}">
-              <ma14:wrappingTextBoxFlag xmlns="" xmlns:ma14="http://schemas.microsoft.com/office/mac/drawingml/2011/main" xmlns:a14="http://schemas.microsoft.com/office/drawing/2010/main" xmlns:m="http://schemas.openxmlformats.org/officeDocument/2006/math" val="1"/>
+              <ma14:wrappingTextBoxFlag xmlns:m="http://schemas.openxmlformats.org/officeDocument/2006/math" xmlns:a14="http://schemas.microsoft.com/office/drawing/2010/main" xmlns:ma14="http://schemas.microsoft.com/office/mac/drawingml/2011/main" xmlns="" val="1"/>
             </a:ext>
           </a:extLst>
         </p:spPr>
@@ -16339,7 +16443,7 @@
           </a:ln>
           <a:extLst>
             <a:ext uri="{C572A759-6A51-4108-AA02-DFA0A04FC94B}">
-              <ma14:wrappingTextBoxFlag xmlns="" xmlns:ma14="http://schemas.microsoft.com/office/mac/drawingml/2011/main" xmlns:a14="http://schemas.microsoft.com/office/drawing/2010/main" xmlns:m="http://schemas.openxmlformats.org/officeDocument/2006/math" val="1"/>
+              <ma14:wrappingTextBoxFlag xmlns:m="http://schemas.openxmlformats.org/officeDocument/2006/math" xmlns:a14="http://schemas.microsoft.com/office/drawing/2010/main" xmlns:ma14="http://schemas.microsoft.com/office/mac/drawingml/2011/main" xmlns="" val="1"/>
             </a:ext>
           </a:extLst>
         </p:spPr>
@@ -17336,7 +17440,7 @@
           </a:ln>
           <a:extLst>
             <a:ext uri="{C572A759-6A51-4108-AA02-DFA0A04FC94B}">
-              <ma14:wrappingTextBoxFlag xmlns="" xmlns:ma14="http://schemas.microsoft.com/office/mac/drawingml/2011/main" xmlns:a14="http://schemas.microsoft.com/office/drawing/2010/main" xmlns:m="http://schemas.openxmlformats.org/officeDocument/2006/math" val="1"/>
+              <ma14:wrappingTextBoxFlag xmlns:m="http://schemas.openxmlformats.org/officeDocument/2006/math" xmlns:a14="http://schemas.microsoft.com/office/drawing/2010/main" xmlns:ma14="http://schemas.microsoft.com/office/mac/drawingml/2011/main" xmlns="" val="1"/>
             </a:ext>
           </a:extLst>
         </p:spPr>
@@ -18214,7 +18318,7 @@
           </a:ln>
           <a:extLst>
             <a:ext uri="{C572A759-6A51-4108-AA02-DFA0A04FC94B}">
-              <ma14:wrappingTextBoxFlag xmlns="" xmlns:ma14="http://schemas.microsoft.com/office/mac/drawingml/2011/main" xmlns:a14="http://schemas.microsoft.com/office/drawing/2010/main" xmlns:m="http://schemas.openxmlformats.org/officeDocument/2006/math" val="1"/>
+              <ma14:wrappingTextBoxFlag xmlns:m="http://schemas.openxmlformats.org/officeDocument/2006/math" xmlns:a14="http://schemas.microsoft.com/office/drawing/2010/main" xmlns:ma14="http://schemas.microsoft.com/office/mac/drawingml/2011/main" xmlns="" val="1"/>
             </a:ext>
           </a:extLst>
         </p:spPr>
@@ -18473,8 +18577,8 @@
           </p:txBody>
         </p:sp>
       </p:grpSp>
-      <mc:AlternateContent xmlns:mc="http://schemas.openxmlformats.org/markup-compatibility/2006">
-        <mc:Choice xmlns:a14="http://schemas.microsoft.com/office/drawing/2010/main" Requires="a14">
+      <mc:AlternateContent xmlns:mc="http://schemas.openxmlformats.org/markup-compatibility/2006" xmlns:a14="http://schemas.microsoft.com/office/drawing/2010/main">
+        <mc:Choice Requires="a14">
           <p:sp>
             <p:nvSpPr>
               <p:cNvPr id="3" name="CuadroTexto 2">
@@ -19050,7 +19154,7 @@
             </p:txBody>
           </p:sp>
         </mc:Choice>
-        <mc:Fallback>
+        <mc:Fallback xmlns="">
           <p:sp>
             <p:nvSpPr>
               <p:cNvPr id="3" name="CuadroTexto 2">
@@ -19371,7 +19475,7 @@
           </a:ln>
           <a:extLst>
             <a:ext uri="{C572A759-6A51-4108-AA02-DFA0A04FC94B}">
-              <ma14:wrappingTextBoxFlag xmlns="" xmlns:ma14="http://schemas.microsoft.com/office/mac/drawingml/2011/main" xmlns:a14="http://schemas.microsoft.com/office/drawing/2010/main" xmlns:m="http://schemas.openxmlformats.org/officeDocument/2006/math" val="1"/>
+              <ma14:wrappingTextBoxFlag xmlns:m="http://schemas.openxmlformats.org/officeDocument/2006/math" xmlns:a14="http://schemas.microsoft.com/office/drawing/2010/main" xmlns:ma14="http://schemas.microsoft.com/office/mac/drawingml/2011/main" xmlns="" val="1"/>
             </a:ext>
           </a:extLst>
         </p:spPr>
@@ -20712,7 +20816,7 @@
                 <a16:creationId xmlns:a16="http://schemas.microsoft.com/office/drawing/2014/main" id="{F13C74B1-5B17-4795-BED0-7140497B445A}"/>
               </a:ext>
               <a:ext uri="{C183D7F6-B498-43B3-948B-1728B52AA6E4}">
-                <adec:decorative xmlns:adec="http://schemas.microsoft.com/office/drawing/2017/decorative" xmlns="" val="1"/>
+                <adec:decorative xmlns:adec="http://schemas.microsoft.com/office/drawing/2017/decorative" val="1"/>
               </a:ext>
             </a:extLst>
           </p:cNvPr>
@@ -20772,7 +20876,7 @@
                 <a16:creationId xmlns:a16="http://schemas.microsoft.com/office/drawing/2014/main" id="{D4974D33-8DC5-464E-8C6D-BE58F0669C17}"/>
               </a:ext>
               <a:ext uri="{C183D7F6-B498-43B3-948B-1728B52AA6E4}">
-                <adec:decorative xmlns:adec="http://schemas.microsoft.com/office/drawing/2017/decorative" xmlns="" val="1"/>
+                <adec:decorative xmlns:adec="http://schemas.microsoft.com/office/drawing/2017/decorative" val="1"/>
               </a:ext>
             </a:extLst>
           </p:cNvPr>
@@ -21010,7 +21114,7 @@
             <a:round/>
             <a:extLst>
               <a:ext uri="{C807C97D-BFC1-408E-A445-0C87EB9F89A2}">
-                <ask:lineSketchStyleProps xmlns:ask="http://schemas.microsoft.com/office/drawing/2018/sketchyshapes" xmlns="" sd="2863741219">
+                <ask:lineSketchStyleProps xmlns:ask="http://schemas.microsoft.com/office/drawing/2018/sketchyshapes" sd="2863741219">
                   <a:prstGeom prst="rect">
                     <a:avLst/>
                   </a:prstGeom>
@@ -21541,7 +21645,7 @@
           </a:prstGeom>
           <a:extLst>
             <a:ext uri="{C572A759-6A51-4108-AA02-DFA0A04FC94B}">
-              <ma14:wrappingTextBoxFlag xmlns="" xmlns:m="http://schemas.openxmlformats.org/officeDocument/2006/math" xmlns:a14="http://schemas.microsoft.com/office/drawing/2010/main" xmlns:ma14="http://schemas.microsoft.com/office/mac/drawingml/2011/main" val="1"/>
+              <ma14:wrappingTextBoxFlag xmlns:ma14="http://schemas.microsoft.com/office/mac/drawingml/2011/main" xmlns:a14="http://schemas.microsoft.com/office/drawing/2010/main" xmlns:m="http://schemas.openxmlformats.org/officeDocument/2006/math" xmlns="" val="1"/>
             </a:ext>
           </a:extLst>
         </p:spPr>
@@ -22058,7 +22162,7 @@
           </a:ln>
           <a:extLst>
             <a:ext uri="{C572A759-6A51-4108-AA02-DFA0A04FC94B}">
-              <ma14:wrappingTextBoxFlag xmlns="" xmlns:ma14="http://schemas.microsoft.com/office/mac/drawingml/2011/main" xmlns:a14="http://schemas.microsoft.com/office/drawing/2010/main" xmlns:m="http://schemas.openxmlformats.org/officeDocument/2006/math" val="1"/>
+              <ma14:wrappingTextBoxFlag xmlns:m="http://schemas.openxmlformats.org/officeDocument/2006/math" xmlns:a14="http://schemas.microsoft.com/office/drawing/2010/main" xmlns:ma14="http://schemas.microsoft.com/office/mac/drawingml/2011/main" xmlns="" val="1"/>
             </a:ext>
           </a:extLst>
         </p:spPr>
@@ -22317,8 +22421,8 @@
           </p:txBody>
         </p:sp>
       </p:grpSp>
-      <mc:AlternateContent xmlns:mc="http://schemas.openxmlformats.org/markup-compatibility/2006">
-        <mc:Choice xmlns:a14="http://schemas.microsoft.com/office/drawing/2010/main" Requires="a14">
+      <mc:AlternateContent xmlns:mc="http://schemas.openxmlformats.org/markup-compatibility/2006" xmlns:a14="http://schemas.microsoft.com/office/drawing/2010/main">
+        <mc:Choice Requires="a14">
           <p:sp>
             <p:nvSpPr>
               <p:cNvPr id="3" name="CuadroTexto 2">
@@ -23375,7 +23479,7 @@
             </p:txBody>
           </p:sp>
         </mc:Choice>
-        <mc:Fallback>
+        <mc:Fallback xmlns="">
           <p:sp>
             <p:nvSpPr>
               <p:cNvPr id="3" name="CuadroTexto 2">
@@ -23647,7 +23751,7 @@
           </a:ln>
           <a:extLst>
             <a:ext uri="{C572A759-6A51-4108-AA02-DFA0A04FC94B}">
-              <ma14:wrappingTextBoxFlag xmlns="" xmlns:ma14="http://schemas.microsoft.com/office/mac/drawingml/2011/main" xmlns:a14="http://schemas.microsoft.com/office/drawing/2010/main" xmlns:m="http://schemas.openxmlformats.org/officeDocument/2006/math" val="1"/>
+              <ma14:wrappingTextBoxFlag xmlns:m="http://schemas.openxmlformats.org/officeDocument/2006/math" xmlns:a14="http://schemas.microsoft.com/office/drawing/2010/main" xmlns:ma14="http://schemas.microsoft.com/office/mac/drawingml/2011/main" xmlns="" val="1"/>
             </a:ext>
           </a:extLst>
         </p:spPr>
@@ -23757,7 +23861,7 @@
           </a:ln>
           <a:extLst>
             <a:ext uri="{C572A759-6A51-4108-AA02-DFA0A04FC94B}">
-              <ma14:wrappingTextBoxFlag xmlns="" xmlns:ma14="http://schemas.microsoft.com/office/mac/drawingml/2011/main" xmlns:a14="http://schemas.microsoft.com/office/drawing/2010/main" xmlns:m="http://schemas.openxmlformats.org/officeDocument/2006/math" val="1"/>
+              <ma14:wrappingTextBoxFlag xmlns:m="http://schemas.openxmlformats.org/officeDocument/2006/math" xmlns:a14="http://schemas.microsoft.com/office/drawing/2010/main" xmlns:ma14="http://schemas.microsoft.com/office/mac/drawingml/2011/main" xmlns="" val="1"/>
             </a:ext>
           </a:extLst>
         </p:spPr>
@@ -24081,7 +24185,7 @@
           </a:ln>
           <a:extLst>
             <a:ext uri="{C572A759-6A51-4108-AA02-DFA0A04FC94B}">
-              <ma14:wrappingTextBoxFlag xmlns="" xmlns:ma14="http://schemas.microsoft.com/office/mac/drawingml/2011/main" xmlns:a14="http://schemas.microsoft.com/office/drawing/2010/main" xmlns:m="http://schemas.openxmlformats.org/officeDocument/2006/math" val="1"/>
+              <ma14:wrappingTextBoxFlag xmlns:m="http://schemas.openxmlformats.org/officeDocument/2006/math" xmlns:a14="http://schemas.microsoft.com/office/drawing/2010/main" xmlns:ma14="http://schemas.microsoft.com/office/mac/drawingml/2011/main" xmlns="" val="1"/>
             </a:ext>
           </a:extLst>
         </p:spPr>
@@ -24340,8 +24444,8 @@
           </p:txBody>
         </p:sp>
       </p:grpSp>
-      <mc:AlternateContent xmlns:mc="http://schemas.openxmlformats.org/markup-compatibility/2006">
-        <mc:Choice xmlns:a14="http://schemas.microsoft.com/office/drawing/2010/main" Requires="a14">
+      <mc:AlternateContent xmlns:mc="http://schemas.openxmlformats.org/markup-compatibility/2006" xmlns:a14="http://schemas.microsoft.com/office/drawing/2010/main">
+        <mc:Choice Requires="a14">
           <p:sp>
             <p:nvSpPr>
               <p:cNvPr id="3" name="CuadroTexto 2">
@@ -24826,7 +24930,7 @@
             </p:txBody>
           </p:sp>
         </mc:Choice>
-        <mc:Fallback>
+        <mc:Fallback xmlns="">
           <p:sp>
             <p:nvSpPr>
               <p:cNvPr id="3" name="CuadroTexto 2">
@@ -25147,7 +25251,7 @@
           </a:ln>
           <a:extLst>
             <a:ext uri="{C572A759-6A51-4108-AA02-DFA0A04FC94B}">
-              <ma14:wrappingTextBoxFlag xmlns="" xmlns:ma14="http://schemas.microsoft.com/office/mac/drawingml/2011/main" xmlns:a14="http://schemas.microsoft.com/office/drawing/2010/main" xmlns:m="http://schemas.openxmlformats.org/officeDocument/2006/math" val="1"/>
+              <ma14:wrappingTextBoxFlag xmlns:m="http://schemas.openxmlformats.org/officeDocument/2006/math" xmlns:a14="http://schemas.microsoft.com/office/drawing/2010/main" xmlns:ma14="http://schemas.microsoft.com/office/mac/drawingml/2011/main" xmlns="" val="1"/>
             </a:ext>
           </a:extLst>
         </p:spPr>
@@ -26602,7 +26706,7 @@
           </a:ln>
           <a:extLst>
             <a:ext uri="{C572A759-6A51-4108-AA02-DFA0A04FC94B}">
-              <ma14:wrappingTextBoxFlag xmlns="" xmlns:ma14="http://schemas.microsoft.com/office/mac/drawingml/2011/main" xmlns:a14="http://schemas.microsoft.com/office/drawing/2010/main" xmlns:m="http://schemas.openxmlformats.org/officeDocument/2006/math" val="1"/>
+              <ma14:wrappingTextBoxFlag xmlns:m="http://schemas.openxmlformats.org/officeDocument/2006/math" xmlns:a14="http://schemas.microsoft.com/office/drawing/2010/main" xmlns:ma14="http://schemas.microsoft.com/office/mac/drawingml/2011/main" xmlns="" val="1"/>
             </a:ext>
           </a:extLst>
         </p:spPr>
@@ -26861,8 +26965,8 @@
           </p:txBody>
         </p:sp>
       </p:grpSp>
-      <mc:AlternateContent xmlns:mc="http://schemas.openxmlformats.org/markup-compatibility/2006">
-        <mc:Choice xmlns:a14="http://schemas.microsoft.com/office/drawing/2010/main" Requires="a14">
+      <mc:AlternateContent xmlns:mc="http://schemas.openxmlformats.org/markup-compatibility/2006" xmlns:a14="http://schemas.microsoft.com/office/drawing/2010/main">
+        <mc:Choice Requires="a14">
           <p:sp>
             <p:nvSpPr>
               <p:cNvPr id="3" name="CuadroTexto 2">
@@ -28321,7 +28425,7 @@
             </p:txBody>
           </p:sp>
         </mc:Choice>
-        <mc:Fallback>
+        <mc:Fallback xmlns="">
           <p:sp>
             <p:nvSpPr>
               <p:cNvPr id="3" name="CuadroTexto 2">
@@ -28642,7 +28746,7 @@
           </a:ln>
           <a:extLst>
             <a:ext uri="{C572A759-6A51-4108-AA02-DFA0A04FC94B}">
-              <ma14:wrappingTextBoxFlag xmlns="" xmlns:ma14="http://schemas.microsoft.com/office/mac/drawingml/2011/main" xmlns:a14="http://schemas.microsoft.com/office/drawing/2010/main" xmlns:m="http://schemas.openxmlformats.org/officeDocument/2006/math" val="1"/>
+              <ma14:wrappingTextBoxFlag xmlns:m="http://schemas.openxmlformats.org/officeDocument/2006/math" xmlns:a14="http://schemas.microsoft.com/office/drawing/2010/main" xmlns:ma14="http://schemas.microsoft.com/office/mac/drawingml/2011/main" xmlns="" val="1"/>
             </a:ext>
           </a:extLst>
         </p:spPr>
@@ -28901,8 +29005,8 @@
           </p:txBody>
         </p:sp>
       </p:grpSp>
-      <mc:AlternateContent xmlns:mc="http://schemas.openxmlformats.org/markup-compatibility/2006" xmlns:a14="http://schemas.microsoft.com/office/drawing/2010/main">
-        <mc:Choice Requires="a14">
+      <mc:AlternateContent xmlns:mc="http://schemas.openxmlformats.org/markup-compatibility/2006">
+        <mc:Choice xmlns:a14="http://schemas.microsoft.com/office/drawing/2010/main" Requires="a14">
           <p:sp>
             <p:nvSpPr>
               <p:cNvPr id="2" name="CuadroTexto 2">
@@ -30307,43 +30411,16 @@
                               </m:r>
                             </m:e>
                           </m:rad>
-                          <m:sSup>
-                            <m:sSupPr>
-                              <m:ctrlPr>
-                                <a:rPr lang="es-MX" sz="2000" b="0" i="1" smtClean="0">
-                                  <a:solidFill>
-                                    <a:srgbClr val="000000"/>
-                                  </a:solidFill>
-                                  <a:latin typeface="Cambria Math" panose="02040503050406030204" pitchFamily="18" charset="0"/>
-                                  <a:cs typeface="Times New Roman"/>
-                                </a:rPr>
-                              </m:ctrlPr>
-                            </m:sSupPr>
-                            <m:e>
-                              <m:r>
-                                <a:rPr lang="es-MX" sz="2000" b="0" i="1" smtClean="0">
-                                  <a:solidFill>
-                                    <a:srgbClr val="000000"/>
-                                  </a:solidFill>
-                                  <a:latin typeface="Cambria Math" panose="02040503050406030204" pitchFamily="18" charset="0"/>
-                                  <a:cs typeface="Times New Roman"/>
-                                </a:rPr>
-                                <m:t>𝑆</m:t>
-                              </m:r>
-                            </m:e>
-                            <m:sup>
-                              <m:r>
-                                <a:rPr lang="es-MX" sz="2000" b="0" i="1" smtClean="0">
-                                  <a:solidFill>
-                                    <a:srgbClr val="000000"/>
-                                  </a:solidFill>
-                                  <a:latin typeface="Cambria Math" panose="02040503050406030204" pitchFamily="18" charset="0"/>
-                                  <a:cs typeface="Times New Roman"/>
-                                </a:rPr>
-                                <m:t>2</m:t>
-                              </m:r>
-                            </m:sup>
-                          </m:sSup>
+                          <m:r>
+                            <a:rPr lang="es-CO" sz="2000" b="0" i="1" smtClean="0">
+                              <a:solidFill>
+                                <a:srgbClr val="000000"/>
+                              </a:solidFill>
+                              <a:latin typeface="Cambria Math" panose="02040503050406030204" pitchFamily="18" charset="0"/>
+                              <a:cs typeface="Times New Roman"/>
+                            </a:rPr>
+                            <m:t>𝑆</m:t>
+                          </m:r>
                         </m:num>
                         <m:den>
                           <m:rad>
@@ -30543,43 +30620,16 @@
                               </m:r>
                             </m:e>
                           </m:rad>
-                          <m:sSup>
-                            <m:sSupPr>
-                              <m:ctrlPr>
-                                <a:rPr lang="es-MX" sz="2000" i="1">
-                                  <a:solidFill>
-                                    <a:srgbClr val="000000"/>
-                                  </a:solidFill>
-                                  <a:latin typeface="Cambria Math" panose="02040503050406030204" pitchFamily="18" charset="0"/>
-                                  <a:cs typeface="Times New Roman"/>
-                                </a:rPr>
-                              </m:ctrlPr>
-                            </m:sSupPr>
-                            <m:e>
-                              <m:r>
-                                <a:rPr lang="es-MX" sz="2000" i="1">
-                                  <a:solidFill>
-                                    <a:srgbClr val="000000"/>
-                                  </a:solidFill>
-                                  <a:latin typeface="Cambria Math" panose="02040503050406030204" pitchFamily="18" charset="0"/>
-                                  <a:cs typeface="Times New Roman"/>
-                                </a:rPr>
-                                <m:t>𝑆</m:t>
-                              </m:r>
-                            </m:e>
-                            <m:sup>
-                              <m:r>
-                                <a:rPr lang="es-MX" sz="2000" i="1">
-                                  <a:solidFill>
-                                    <a:srgbClr val="000000"/>
-                                  </a:solidFill>
-                                  <a:latin typeface="Cambria Math" panose="02040503050406030204" pitchFamily="18" charset="0"/>
-                                  <a:cs typeface="Times New Roman"/>
-                                </a:rPr>
-                                <m:t>2</m:t>
-                              </m:r>
-                            </m:sup>
-                          </m:sSup>
+                          <m:r>
+                            <a:rPr lang="es-CO" sz="2000" b="0" i="1" smtClean="0">
+                              <a:solidFill>
+                                <a:srgbClr val="000000"/>
+                              </a:solidFill>
+                              <a:latin typeface="Cambria Math" panose="02040503050406030204" pitchFamily="18" charset="0"/>
+                              <a:cs typeface="Times New Roman"/>
+                            </a:rPr>
+                            <m:t>𝑆</m:t>
+                          </m:r>
                         </m:num>
                         <m:den>
                           <m:rad>
@@ -30704,6 +30754,9 @@
                           <m:chr m:val="̂"/>
                           <m:ctrlPr>
                             <a:rPr lang="es-CO" sz="2000" i="1">
+                              <a:highlight>
+                                <a:srgbClr val="FFFF00"/>
+                              </a:highlight>
                               <a:latin typeface="Cambria Math" panose="02040503050406030204" pitchFamily="18" charset="0"/>
                               <a:ea typeface="Calibri" panose="020F0502020204030204" pitchFamily="34" charset="0"/>
                               <a:cs typeface="Arial" panose="020B0604020202020204" pitchFamily="34" charset="0"/>
@@ -30713,6 +30766,9 @@
                         <m:e>
                           <m:r>
                             <a:rPr lang="es-CO" sz="2000" i="1">
+                              <a:highlight>
+                                <a:srgbClr val="FFFF00"/>
+                              </a:highlight>
                               <a:latin typeface="Cambria Math" panose="02040503050406030204" pitchFamily="18" charset="0"/>
                               <a:ea typeface="Calibri" panose="020F0502020204030204" pitchFamily="34" charset="0"/>
                               <a:cs typeface="Arial" panose="020B0604020202020204" pitchFamily="34" charset="0"/>
@@ -30723,6 +30779,9 @@
                       </m:acc>
                       <m:r>
                         <a:rPr lang="es-CO" sz="2000" i="1">
+                          <a:highlight>
+                            <a:srgbClr val="FFFF00"/>
+                          </a:highlight>
                           <a:latin typeface="Cambria Math" panose="02040503050406030204" pitchFamily="18" charset="0"/>
                           <a:ea typeface="Calibri" panose="020F0502020204030204" pitchFamily="34" charset="0"/>
                           <a:cs typeface="Arial" panose="020B0604020202020204" pitchFamily="34" charset="0"/>
@@ -30734,6 +30793,9 @@
                           <a:solidFill>
                             <a:srgbClr val="000000"/>
                           </a:solidFill>
+                          <a:highlight>
+                            <a:srgbClr val="FFFF00"/>
+                          </a:highlight>
                           <a:latin typeface="Cambria Math" panose="02040503050406030204" pitchFamily="18" charset="0"/>
                           <a:cs typeface="Times New Roman"/>
                         </a:rPr>
@@ -30746,30 +30808,39 @@
                               <a:solidFill>
                                 <a:srgbClr val="000000"/>
                               </a:solidFill>
+                              <a:highlight>
+                                <a:srgbClr val="FFFF00"/>
+                              </a:highlight>
                               <a:latin typeface="Cambria Math" panose="02040503050406030204" pitchFamily="18" charset="0"/>
                               <a:cs typeface="Times New Roman"/>
                             </a:rPr>
                           </m:ctrlPr>
                         </m:fPr>
                         <m:num>
-                          <m:sSubSup>
-                            <m:sSubSupPr>
+                          <m:sSub>
+                            <m:sSubPr>
                               <m:ctrlPr>
-                                <a:rPr lang="es-MX" sz="2000" b="0" i="1" smtClean="0">
+                                <a:rPr lang="es-CO" sz="2000" b="0" i="1" smtClean="0">
                                   <a:solidFill>
                                     <a:srgbClr val="000000"/>
                                   </a:solidFill>
+                                  <a:highlight>
+                                    <a:srgbClr val="FFFF00"/>
+                                  </a:highlight>
                                   <a:latin typeface="Cambria Math" panose="02040503050406030204" pitchFamily="18" charset="0"/>
                                   <a:cs typeface="Times New Roman"/>
                                 </a:rPr>
                               </m:ctrlPr>
-                            </m:sSubSupPr>
+                            </m:sSubPr>
                             <m:e>
                               <m:r>
-                                <a:rPr lang="es-MX" sz="2000" i="1">
+                                <a:rPr lang="es-CO" sz="2000" b="0" i="1" smtClean="0">
                                   <a:solidFill>
                                     <a:srgbClr val="000000"/>
                                   </a:solidFill>
+                                  <a:highlight>
+                                    <a:srgbClr val="FFFF00"/>
+                                  </a:highlight>
                                   <a:latin typeface="Cambria Math" panose="02040503050406030204" pitchFamily="18" charset="0"/>
                                   <a:cs typeface="Times New Roman"/>
                                 </a:rPr>
@@ -30778,29 +30849,20 @@
                             </m:e>
                             <m:sub>
                               <m:r>
-                                <a:rPr lang="es-MX" sz="2000" b="0" i="1" smtClean="0">
+                                <a:rPr lang="es-CO" sz="2000" b="0" i="1" smtClean="0">
                                   <a:solidFill>
                                     <a:srgbClr val="000000"/>
                                   </a:solidFill>
+                                  <a:highlight>
+                                    <a:srgbClr val="FFFF00"/>
+                                  </a:highlight>
                                   <a:latin typeface="Cambria Math" panose="02040503050406030204" pitchFamily="18" charset="0"/>
                                   <a:cs typeface="Times New Roman"/>
                                 </a:rPr>
                                 <m:t>𝑎</m:t>
                               </m:r>
                             </m:sub>
-                            <m:sup>
-                              <m:r>
-                                <a:rPr lang="es-MX" sz="2000" i="1">
-                                  <a:solidFill>
-                                    <a:srgbClr val="000000"/>
-                                  </a:solidFill>
-                                  <a:latin typeface="Cambria Math" panose="02040503050406030204" pitchFamily="18" charset="0"/>
-                                  <a:cs typeface="Times New Roman"/>
-                                </a:rPr>
-                                <m:t>2</m:t>
-                              </m:r>
-                            </m:sup>
-                          </m:sSubSup>
+                          </m:sSub>
                         </m:num>
                         <m:den>
                           <m:rad>
@@ -30811,6 +30873,9 @@
                                   <a:solidFill>
                                     <a:srgbClr val="000000"/>
                                   </a:solidFill>
+                                  <a:highlight>
+                                    <a:srgbClr val="FFFF00"/>
+                                  </a:highlight>
                                   <a:latin typeface="Cambria Math" panose="02040503050406030204" pitchFamily="18" charset="0"/>
                                   <a:cs typeface="Times New Roman"/>
                                 </a:rPr>
@@ -30823,6 +30888,9 @@
                                   <a:solidFill>
                                     <a:srgbClr val="000000"/>
                                   </a:solidFill>
+                                  <a:highlight>
+                                    <a:srgbClr val="FFFF00"/>
+                                  </a:highlight>
                                   <a:latin typeface="Cambria Math" panose="02040503050406030204" pitchFamily="18" charset="0"/>
                                   <a:cs typeface="Times New Roman"/>
                                 </a:rPr>
@@ -30836,6 +30904,9 @@
                         <m:sSubPr>
                           <m:ctrlPr>
                             <a:rPr lang="es-CO" sz="2000" i="1">
+                              <a:highlight>
+                                <a:srgbClr val="FFFF00"/>
+                              </a:highlight>
                               <a:latin typeface="Cambria Math" panose="02040503050406030204" pitchFamily="18" charset="0"/>
                               <a:ea typeface="Yu Mincho" panose="02020400000000000000" pitchFamily="18" charset="-128"/>
                               <a:cs typeface="Arial" panose="020B0604020202020204" pitchFamily="34" charset="0"/>
@@ -30845,6 +30916,9 @@
                         <m:e>
                           <m:r>
                             <a:rPr lang="es-CO" sz="2000" i="1">
+                              <a:highlight>
+                                <a:srgbClr val="FFFF00"/>
+                              </a:highlight>
                               <a:latin typeface="Cambria Math" panose="02040503050406030204" pitchFamily="18" charset="0"/>
                               <a:ea typeface="Yu Mincho" panose="02020400000000000000" pitchFamily="18" charset="-128"/>
                               <a:cs typeface="Arial" panose="020B0604020202020204" pitchFamily="34" charset="0"/>
@@ -30857,6 +30931,9 @@
                             <m:fPr>
                               <m:ctrlPr>
                                 <a:rPr lang="es-CO" sz="2000" i="1">
+                                  <a:highlight>
+                                    <a:srgbClr val="FFFF00"/>
+                                  </a:highlight>
                                   <a:latin typeface="Cambria Math" panose="02040503050406030204" pitchFamily="18" charset="0"/>
                                   <a:ea typeface="Yu Mincho" panose="02020400000000000000" pitchFamily="18" charset="-128"/>
                                   <a:cs typeface="Arial" panose="020B0604020202020204" pitchFamily="34" charset="0"/>
@@ -30866,6 +30943,9 @@
                             <m:num>
                               <m:r>
                                 <a:rPr lang="es-CO" sz="2000" i="1">
+                                  <a:highlight>
+                                    <a:srgbClr val="FFFF00"/>
+                                  </a:highlight>
                                   <a:latin typeface="Cambria Math" panose="02040503050406030204" pitchFamily="18" charset="0"/>
                                   <a:ea typeface="Yu Mincho" panose="02020400000000000000" pitchFamily="18" charset="-128"/>
                                   <a:cs typeface="Arial" panose="020B0604020202020204" pitchFamily="34" charset="0"/>
@@ -30876,6 +30956,9 @@
                             <m:den>
                               <m:r>
                                 <a:rPr lang="es-CO" sz="2000" i="1">
+                                  <a:highlight>
+                                    <a:srgbClr val="FFFF00"/>
+                                  </a:highlight>
                                   <a:latin typeface="Cambria Math" panose="02040503050406030204" pitchFamily="18" charset="0"/>
                                   <a:ea typeface="Yu Mincho" panose="02020400000000000000" pitchFamily="18" charset="-128"/>
                                   <a:cs typeface="Arial" panose="020B0604020202020204" pitchFamily="34" charset="0"/>
@@ -30886,6 +30969,9 @@
                           </m:f>
                           <m:r>
                             <a:rPr lang="es-CO" sz="2000" i="1">
+                              <a:highlight>
+                                <a:srgbClr val="FFFF00"/>
+                              </a:highlight>
                               <a:latin typeface="Cambria Math" panose="02040503050406030204" pitchFamily="18" charset="0"/>
                               <a:ea typeface="Yu Mincho" panose="02020400000000000000" pitchFamily="18" charset="-128"/>
                               <a:cs typeface="Arial" panose="020B0604020202020204" pitchFamily="34" charset="0"/>
@@ -30894,6 +30980,9 @@
                           </m:r>
                           <m:r>
                             <a:rPr lang="es-CO" sz="2000" i="1">
+                              <a:highlight>
+                                <a:srgbClr val="FFFF00"/>
+                              </a:highlight>
                               <a:latin typeface="Cambria Math" panose="02040503050406030204" pitchFamily="18" charset="0"/>
                               <a:ea typeface="Yu Mincho" panose="02020400000000000000" pitchFamily="18" charset="-128"/>
                               <a:cs typeface="Arial" panose="020B0604020202020204" pitchFamily="34" charset="0"/>
@@ -30902,6 +30991,9 @@
                           </m:r>
                           <m:r>
                             <a:rPr lang="es-CO" sz="2000" i="1">
+                              <a:highlight>
+                                <a:srgbClr val="FFFF00"/>
+                              </a:highlight>
                               <a:latin typeface="Cambria Math" panose="02040503050406030204" pitchFamily="18" charset="0"/>
                               <a:ea typeface="Yu Mincho" panose="02020400000000000000" pitchFamily="18" charset="-128"/>
                               <a:cs typeface="Arial" panose="020B0604020202020204" pitchFamily="34" charset="0"/>
@@ -30917,6 +31009,9 @@
                   <a:solidFill>
                     <a:srgbClr val="000000"/>
                   </a:solidFill>
+                  <a:highlight>
+                    <a:srgbClr val="FFFF00"/>
+                  </a:highlight>
                   <a:cs typeface="Times New Roman"/>
                 </a:endParaRPr>
               </a:p>
@@ -30939,7 +31034,7 @@
             </p:txBody>
           </p:sp>
         </mc:Choice>
-        <mc:Fallback xmlns="">
+        <mc:Fallback>
           <p:sp>
             <p:nvSpPr>
               <p:cNvPr id="2" name="CuadroTexto 2">
@@ -31260,7 +31355,7 @@
           </a:ln>
           <a:extLst>
             <a:ext uri="{C572A759-6A51-4108-AA02-DFA0A04FC94B}">
-              <ma14:wrappingTextBoxFlag xmlns="" xmlns:ma14="http://schemas.microsoft.com/office/mac/drawingml/2011/main" xmlns:a14="http://schemas.microsoft.com/office/drawing/2010/main" xmlns:m="http://schemas.openxmlformats.org/officeDocument/2006/math" val="1"/>
+              <ma14:wrappingTextBoxFlag xmlns:m="http://schemas.openxmlformats.org/officeDocument/2006/math" xmlns:a14="http://schemas.microsoft.com/office/drawing/2010/main" xmlns:ma14="http://schemas.microsoft.com/office/mac/drawingml/2011/main" xmlns="" val="1"/>
             </a:ext>
           </a:extLst>
         </p:spPr>
@@ -31567,7 +31662,7 @@
                         <m:accPr>
                           <m:chr m:val="̂"/>
                           <m:ctrlPr>
-                            <a:rPr lang="es-CO" sz="2400" i="1">
+                            <a:rPr lang="es-CO" sz="2400" i="1" smtClean="0">
                               <a:latin typeface="Cambria Math" panose="02040503050406030204" pitchFamily="18" charset="0"/>
                               <a:ea typeface="Calibri" panose="020F0502020204030204" pitchFamily="34" charset="0"/>
                               <a:cs typeface="Arial" panose="020B0604020202020204" pitchFamily="34" charset="0"/>
@@ -31616,10 +31711,10 @@
                           </m:ctrlPr>
                         </m:fPr>
                         <m:num>
-                          <m:sSubSup>
-                            <m:sSubSupPr>
+                          <m:sSub>
+                            <m:sSubPr>
                               <m:ctrlPr>
-                                <a:rPr lang="es-MX" sz="2400" b="0" i="1" smtClean="0">
+                                <a:rPr lang="es-CO" sz="2400" b="0" i="1" smtClean="0">
                                   <a:solidFill>
                                     <a:srgbClr val="000000"/>
                                   </a:solidFill>
@@ -31627,10 +31722,10 @@
                                   <a:cs typeface="Times New Roman"/>
                                 </a:rPr>
                               </m:ctrlPr>
-                            </m:sSubSupPr>
+                            </m:sSubPr>
                             <m:e>
                               <m:r>
-                                <a:rPr lang="es-MX" sz="2400" i="1">
+                                <a:rPr lang="es-CO" sz="2400" b="0" i="1" smtClean="0">
                                   <a:solidFill>
                                     <a:srgbClr val="000000"/>
                                   </a:solidFill>
@@ -31642,7 +31737,7 @@
                             </m:e>
                             <m:sub>
                               <m:r>
-                                <a:rPr lang="es-MX" sz="2400" b="0" i="1" smtClean="0">
+                                <a:rPr lang="es-CO" sz="2400" b="0" i="1" smtClean="0">
                                   <a:solidFill>
                                     <a:srgbClr val="000000"/>
                                   </a:solidFill>
@@ -31652,19 +31747,7 @@
                                 <m:t>𝑎</m:t>
                               </m:r>
                             </m:sub>
-                            <m:sup>
-                              <m:r>
-                                <a:rPr lang="es-MX" sz="2400" i="1">
-                                  <a:solidFill>
-                                    <a:srgbClr val="000000"/>
-                                  </a:solidFill>
-                                  <a:latin typeface="Cambria Math" panose="02040503050406030204" pitchFamily="18" charset="0"/>
-                                  <a:cs typeface="Times New Roman"/>
-                                </a:rPr>
-                                <m:t>2</m:t>
-                              </m:r>
-                            </m:sup>
-                          </m:sSubSup>
+                          </m:sSub>
                         </m:num>
                         <m:den>
                           <m:rad>
@@ -31710,14 +31793,14 @@
                         </m:sSubPr>
                         <m:e>
                           <m:r>
-                            <a:rPr lang="es-MX" sz="2400" i="1">
+                            <a:rPr lang="es-CO" sz="2400" b="0" i="1" smtClean="0">
                               <a:solidFill>
                                 <a:srgbClr val="000000"/>
                               </a:solidFill>
                               <a:latin typeface="Cambria Math" panose="02040503050406030204" pitchFamily="18" charset="0"/>
                               <a:cs typeface="Times New Roman"/>
                             </a:rPr>
-                            <m:t>𝑧</m:t>
+                            <m:t>𝑡</m:t>
                           </m:r>
                         </m:e>
                         <m:sub>
@@ -31758,12 +31841,42 @@
                               </m:r>
                             </m:den>
                           </m:f>
+                          <m:r>
+                            <a:rPr lang="es-CO" sz="2400" b="0" i="1" smtClean="0">
+                              <a:solidFill>
+                                <a:srgbClr val="000000"/>
+                              </a:solidFill>
+                              <a:latin typeface="Cambria Math" panose="02040503050406030204" pitchFamily="18" charset="0"/>
+                              <a:cs typeface="Times New Roman"/>
+                            </a:rPr>
+                            <m:t>,</m:t>
+                          </m:r>
+                          <m:r>
+                            <a:rPr lang="es-CO" sz="2400" b="0" i="1" smtClean="0">
+                              <a:solidFill>
+                                <a:srgbClr val="000000"/>
+                              </a:solidFill>
+                              <a:latin typeface="Cambria Math" panose="02040503050406030204" pitchFamily="18" charset="0"/>
+                              <a:cs typeface="Times New Roman"/>
+                            </a:rPr>
+                            <m:t>𝑛</m:t>
+                          </m:r>
+                          <m:r>
+                            <a:rPr lang="es-CO" sz="2400" b="0" i="1" smtClean="0">
+                              <a:solidFill>
+                                <a:srgbClr val="000000"/>
+                              </a:solidFill>
+                              <a:latin typeface="Cambria Math" panose="02040503050406030204" pitchFamily="18" charset="0"/>
+                              <a:cs typeface="Times New Roman"/>
+                            </a:rPr>
+                            <m:t>−1</m:t>
+                          </m:r>
                         </m:sub>
                       </m:sSub>
                     </m:oMath>
                   </m:oMathPara>
                 </a14:m>
-                <a:endParaRPr lang="es-ES" sz="2400" dirty="0" smtClean="0">
+                <a:endParaRPr lang="es-ES" sz="2400" dirty="0">
                   <a:solidFill>
                     <a:srgbClr val="000000"/>
                   </a:solidFill>
@@ -31894,7 +32007,7 @@
               <a:lstStyle/>
               <a:p>
                 <a:r>
-                  <a:rPr lang="en-US">
+                  <a:rPr lang="es-CO">
                     <a:noFill/>
                   </a:rPr>
                   <a:t> </a:t>
@@ -32180,7 +32293,7 @@
           </a:ln>
           <a:extLst>
             <a:ext uri="{C572A759-6A51-4108-AA02-DFA0A04FC94B}">
-              <ma14:wrappingTextBoxFlag xmlns="" xmlns:ma14="http://schemas.microsoft.com/office/mac/drawingml/2011/main" xmlns:a14="http://schemas.microsoft.com/office/drawing/2010/main" xmlns:m="http://schemas.openxmlformats.org/officeDocument/2006/math" val="1"/>
+              <ma14:wrappingTextBoxFlag xmlns:m="http://schemas.openxmlformats.org/officeDocument/2006/math" xmlns:a14="http://schemas.microsoft.com/office/drawing/2010/main" xmlns:ma14="http://schemas.microsoft.com/office/mac/drawingml/2011/main" xmlns="" val="1"/>
             </a:ext>
           </a:extLst>
         </p:spPr>
@@ -32536,10 +32649,10 @@
                           </m:ctrlPr>
                         </m:fPr>
                         <m:num>
-                          <m:sSubSup>
-                            <m:sSubSupPr>
+                          <m:sSub>
+                            <m:sSubPr>
                               <m:ctrlPr>
-                                <a:rPr lang="es-MX" sz="2400" b="0" i="1" smtClean="0">
+                                <a:rPr lang="es-CO" sz="2400" b="0" i="1" smtClean="0">
                                   <a:solidFill>
                                     <a:srgbClr val="000000"/>
                                   </a:solidFill>
@@ -32547,10 +32660,10 @@
                                   <a:cs typeface="Times New Roman"/>
                                 </a:rPr>
                               </m:ctrlPr>
-                            </m:sSubSupPr>
+                            </m:sSubPr>
                             <m:e>
                               <m:r>
-                                <a:rPr lang="es-MX" sz="2400" i="1">
+                                <a:rPr lang="es-CO" sz="2400" b="0" i="1" smtClean="0">
                                   <a:solidFill>
                                     <a:srgbClr val="000000"/>
                                   </a:solidFill>
@@ -32562,7 +32675,7 @@
                             </m:e>
                             <m:sub>
                               <m:r>
-                                <a:rPr lang="es-MX" sz="2400" b="0" i="1" smtClean="0">
+                                <a:rPr lang="es-CO" sz="2400" b="0" i="1" smtClean="0">
                                   <a:solidFill>
                                     <a:srgbClr val="000000"/>
                                   </a:solidFill>
@@ -32572,19 +32685,7 @@
                                 <m:t>𝑎</m:t>
                               </m:r>
                             </m:sub>
-                            <m:sup>
-                              <m:r>
-                                <a:rPr lang="es-MX" sz="2400" i="1">
-                                  <a:solidFill>
-                                    <a:srgbClr val="000000"/>
-                                  </a:solidFill>
-                                  <a:latin typeface="Cambria Math" panose="02040503050406030204" pitchFamily="18" charset="0"/>
-                                  <a:cs typeface="Times New Roman"/>
-                                </a:rPr>
-                                <m:t>2</m:t>
-                              </m:r>
-                            </m:sup>
-                          </m:sSubSup>
+                          </m:sSub>
                         </m:num>
                         <m:den>
                           <m:rad>
@@ -32630,14 +32731,14 @@
                         </m:sSubPr>
                         <m:e>
                           <m:r>
-                            <a:rPr lang="es-MX" sz="2400" i="1">
+                            <a:rPr lang="es-CO" sz="2400" b="0" i="1" smtClean="0">
                               <a:solidFill>
                                 <a:srgbClr val="000000"/>
                               </a:solidFill>
                               <a:latin typeface="Cambria Math" panose="02040503050406030204" pitchFamily="18" charset="0"/>
                               <a:cs typeface="Times New Roman"/>
                             </a:rPr>
-                            <m:t>𝑧</m:t>
+                            <m:t>𝑡</m:t>
                           </m:r>
                         </m:e>
                         <m:sub>
@@ -32678,12 +32779,42 @@
                               </m:r>
                             </m:den>
                           </m:f>
+                          <m:r>
+                            <a:rPr lang="es-CO" sz="2400" b="0" i="1" smtClean="0">
+                              <a:solidFill>
+                                <a:srgbClr val="000000"/>
+                              </a:solidFill>
+                              <a:latin typeface="Cambria Math" panose="02040503050406030204" pitchFamily="18" charset="0"/>
+                              <a:cs typeface="Times New Roman"/>
+                            </a:rPr>
+                            <m:t>,</m:t>
+                          </m:r>
+                          <m:r>
+                            <a:rPr lang="es-CO" sz="2400" b="0" i="1" smtClean="0">
+                              <a:solidFill>
+                                <a:srgbClr val="000000"/>
+                              </a:solidFill>
+                              <a:latin typeface="Cambria Math" panose="02040503050406030204" pitchFamily="18" charset="0"/>
+                              <a:cs typeface="Times New Roman"/>
+                            </a:rPr>
+                            <m:t>𝑛</m:t>
+                          </m:r>
+                          <m:r>
+                            <a:rPr lang="es-CO" sz="2400" b="0" i="1" smtClean="0">
+                              <a:solidFill>
+                                <a:srgbClr val="000000"/>
+                              </a:solidFill>
+                              <a:latin typeface="Cambria Math" panose="02040503050406030204" pitchFamily="18" charset="0"/>
+                              <a:cs typeface="Times New Roman"/>
+                            </a:rPr>
+                            <m:t>−1</m:t>
+                          </m:r>
                         </m:sub>
                       </m:sSub>
                     </m:oMath>
                   </m:oMathPara>
                 </a14:m>
-                <a:endParaRPr lang="es-ES" sz="2400" dirty="0" smtClean="0">
+                <a:endParaRPr lang="es-ES" sz="2400" dirty="0">
                   <a:solidFill>
                     <a:srgbClr val="000000"/>
                   </a:solidFill>
@@ -32802,7 +32933,7 @@
               <a:lstStyle/>
               <a:p>
                 <a:r>
-                  <a:rPr lang="en-US">
+                  <a:rPr lang="es-CO">
                     <a:noFill/>
                   </a:rPr>
                   <a:t> </a:t>
@@ -33088,7 +33219,7 @@
           </a:ln>
           <a:extLst>
             <a:ext uri="{C572A759-6A51-4108-AA02-DFA0A04FC94B}">
-              <ma14:wrappingTextBoxFlag xmlns="" xmlns:ma14="http://schemas.microsoft.com/office/mac/drawingml/2011/main" xmlns:a14="http://schemas.microsoft.com/office/drawing/2010/main" xmlns:m="http://schemas.openxmlformats.org/officeDocument/2006/math" val="1"/>
+              <ma14:wrappingTextBoxFlag xmlns:m="http://schemas.openxmlformats.org/officeDocument/2006/math" xmlns:a14="http://schemas.microsoft.com/office/drawing/2010/main" xmlns:ma14="http://schemas.microsoft.com/office/mac/drawingml/2011/main" xmlns="" val="1"/>
             </a:ext>
           </a:extLst>
         </p:spPr>
@@ -33347,8 +33478,8 @@
           </p:txBody>
         </p:sp>
       </p:grpSp>
-      <mc:AlternateContent xmlns:mc="http://schemas.openxmlformats.org/markup-compatibility/2006">
-        <mc:Choice xmlns:a14="http://schemas.microsoft.com/office/drawing/2010/main" Requires="a14">
+      <mc:AlternateContent xmlns:mc="http://schemas.openxmlformats.org/markup-compatibility/2006" xmlns:a14="http://schemas.microsoft.com/office/drawing/2010/main">
+        <mc:Choice Requires="a14">
           <p:sp>
             <p:nvSpPr>
               <p:cNvPr id="2" name="CuadroTexto 2">
@@ -34465,7 +34596,7 @@
             </p:txBody>
           </p:sp>
         </mc:Choice>
-        <mc:Fallback>
+        <mc:Fallback xmlns="">
           <p:sp>
             <p:nvSpPr>
               <p:cNvPr id="2" name="CuadroTexto 2">
@@ -34786,7 +34917,7 @@
           </a:ln>
           <a:extLst>
             <a:ext uri="{C572A759-6A51-4108-AA02-DFA0A04FC94B}">
-              <ma14:wrappingTextBoxFlag xmlns="" xmlns:ma14="http://schemas.microsoft.com/office/mac/drawingml/2011/main" xmlns:a14="http://schemas.microsoft.com/office/drawing/2010/main" xmlns:m="http://schemas.openxmlformats.org/officeDocument/2006/math" val="1"/>
+              <ma14:wrappingTextBoxFlag xmlns:m="http://schemas.openxmlformats.org/officeDocument/2006/math" xmlns:a14="http://schemas.microsoft.com/office/drawing/2010/main" xmlns:ma14="http://schemas.microsoft.com/office/mac/drawingml/2011/main" xmlns="" val="1"/>
             </a:ext>
           </a:extLst>
         </p:spPr>
@@ -35663,7 +35794,7 @@
           </a:ln>
           <a:extLst>
             <a:ext uri="{C572A759-6A51-4108-AA02-DFA0A04FC94B}">
-              <ma14:wrappingTextBoxFlag xmlns="" xmlns:ma14="http://schemas.microsoft.com/office/mac/drawingml/2011/main" xmlns:a14="http://schemas.microsoft.com/office/drawing/2010/main" xmlns:m="http://schemas.openxmlformats.org/officeDocument/2006/math" val="1"/>
+              <ma14:wrappingTextBoxFlag xmlns:m="http://schemas.openxmlformats.org/officeDocument/2006/math" xmlns:a14="http://schemas.microsoft.com/office/drawing/2010/main" xmlns:ma14="http://schemas.microsoft.com/office/mac/drawingml/2011/main" xmlns="" val="1"/>
             </a:ext>
           </a:extLst>
         </p:spPr>
@@ -36712,7 +36843,7 @@
           <a:blip r:embed="rId2">
             <a:extLst>
               <a:ext uri="{96DAC541-7B7A-43D3-8B79-37D633B846F1}">
-                <asvg:svgBlip xmlns:asvg="http://schemas.microsoft.com/office/drawing/2016/SVG/main" xmlns="" r:embed="rId3"/>
+                <asvg:svgBlip xmlns:asvg="http://schemas.microsoft.com/office/drawing/2016/SVG/main" r:embed="rId3"/>
               </a:ext>
             </a:extLst>
           </a:blip>
@@ -37050,7 +37181,7 @@
           </a:ln>
           <a:extLst>
             <a:ext uri="{C572A759-6A51-4108-AA02-DFA0A04FC94B}">
-              <ma14:wrappingTextBoxFlag xmlns="" xmlns:ma14="http://schemas.microsoft.com/office/mac/drawingml/2011/main" xmlns:a14="http://schemas.microsoft.com/office/drawing/2010/main" xmlns:m="http://schemas.openxmlformats.org/officeDocument/2006/math" val="1"/>
+              <ma14:wrappingTextBoxFlag xmlns:m="http://schemas.openxmlformats.org/officeDocument/2006/math" xmlns:a14="http://schemas.microsoft.com/office/drawing/2010/main" xmlns:ma14="http://schemas.microsoft.com/office/mac/drawingml/2011/main" xmlns="" val="1"/>
             </a:ext>
           </a:extLst>
         </p:spPr>
@@ -37602,7 +37733,7 @@
           </a:ln>
           <a:extLst>
             <a:ext uri="{C572A759-6A51-4108-AA02-DFA0A04FC94B}">
-              <ma14:wrappingTextBoxFlag xmlns="" xmlns:ma14="http://schemas.microsoft.com/office/mac/drawingml/2011/main" xmlns:a14="http://schemas.microsoft.com/office/drawing/2010/main" xmlns:m="http://schemas.openxmlformats.org/officeDocument/2006/math" val="1"/>
+              <ma14:wrappingTextBoxFlag xmlns:m="http://schemas.openxmlformats.org/officeDocument/2006/math" xmlns:a14="http://schemas.microsoft.com/office/drawing/2010/main" xmlns:ma14="http://schemas.microsoft.com/office/mac/drawingml/2011/main" xmlns="" val="1"/>
             </a:ext>
           </a:extLst>
         </p:spPr>
@@ -37712,7 +37843,7 @@
           </a:ln>
           <a:extLst>
             <a:ext uri="{C572A759-6A51-4108-AA02-DFA0A04FC94B}">
-              <ma14:wrappingTextBoxFlag xmlns="" xmlns:ma14="http://schemas.microsoft.com/office/mac/drawingml/2011/main" xmlns:a14="http://schemas.microsoft.com/office/drawing/2010/main" xmlns:m="http://schemas.openxmlformats.org/officeDocument/2006/math" val="1"/>
+              <ma14:wrappingTextBoxFlag xmlns:m="http://schemas.openxmlformats.org/officeDocument/2006/math" xmlns:a14="http://schemas.microsoft.com/office/drawing/2010/main" xmlns:ma14="http://schemas.microsoft.com/office/mac/drawingml/2011/main" xmlns="" val="1"/>
             </a:ext>
           </a:extLst>
         </p:spPr>
@@ -38036,7 +38167,7 @@
           </a:ln>
           <a:extLst>
             <a:ext uri="{C572A759-6A51-4108-AA02-DFA0A04FC94B}">
-              <ma14:wrappingTextBoxFlag xmlns="" xmlns:ma14="http://schemas.microsoft.com/office/mac/drawingml/2011/main" xmlns:a14="http://schemas.microsoft.com/office/drawing/2010/main" xmlns:m="http://schemas.openxmlformats.org/officeDocument/2006/math" val="1"/>
+              <ma14:wrappingTextBoxFlag xmlns:m="http://schemas.openxmlformats.org/officeDocument/2006/math" xmlns:a14="http://schemas.microsoft.com/office/drawing/2010/main" xmlns:ma14="http://schemas.microsoft.com/office/mac/drawingml/2011/main" xmlns="" val="1"/>
             </a:ext>
           </a:extLst>
         </p:spPr>
@@ -39169,7 +39300,7 @@
           </a:ln>
           <a:extLst>
             <a:ext uri="{C572A759-6A51-4108-AA02-DFA0A04FC94B}">
-              <ma14:wrappingTextBoxFlag xmlns="" xmlns:ma14="http://schemas.microsoft.com/office/mac/drawingml/2011/main" xmlns:a14="http://schemas.microsoft.com/office/drawing/2010/main" xmlns:m="http://schemas.openxmlformats.org/officeDocument/2006/math" val="1"/>
+              <ma14:wrappingTextBoxFlag xmlns:m="http://schemas.openxmlformats.org/officeDocument/2006/math" xmlns:a14="http://schemas.microsoft.com/office/drawing/2010/main" xmlns:ma14="http://schemas.microsoft.com/office/mac/drawingml/2011/main" xmlns="" val="1"/>
             </a:ext>
           </a:extLst>
         </p:spPr>
@@ -40318,7 +40449,7 @@
           </a:ln>
           <a:extLst>
             <a:ext uri="{C572A759-6A51-4108-AA02-DFA0A04FC94B}">
-              <ma14:wrappingTextBoxFlag xmlns="" xmlns:ma14="http://schemas.microsoft.com/office/mac/drawingml/2011/main" xmlns:a14="http://schemas.microsoft.com/office/drawing/2010/main" xmlns:m="http://schemas.openxmlformats.org/officeDocument/2006/math" val="1"/>
+              <ma14:wrappingTextBoxFlag xmlns:m="http://schemas.openxmlformats.org/officeDocument/2006/math" xmlns:a14="http://schemas.microsoft.com/office/drawing/2010/main" xmlns:ma14="http://schemas.microsoft.com/office/mac/drawingml/2011/main" xmlns="" val="1"/>
             </a:ext>
           </a:extLst>
         </p:spPr>
@@ -41499,7 +41630,7 @@
           </a:ln>
           <a:extLst>
             <a:ext uri="{C572A759-6A51-4108-AA02-DFA0A04FC94B}">
-              <ma14:wrappingTextBoxFlag xmlns="" xmlns:ma14="http://schemas.microsoft.com/office/mac/drawingml/2011/main" xmlns:a14="http://schemas.microsoft.com/office/drawing/2010/main" xmlns:m="http://schemas.openxmlformats.org/officeDocument/2006/math" val="1"/>
+              <ma14:wrappingTextBoxFlag xmlns:m="http://schemas.openxmlformats.org/officeDocument/2006/math" xmlns:a14="http://schemas.microsoft.com/office/drawing/2010/main" xmlns:ma14="http://schemas.microsoft.com/office/mac/drawingml/2011/main" xmlns="" val="1"/>
             </a:ext>
           </a:extLst>
         </p:spPr>
@@ -42788,6 +42919,15 @@
 </file>
 
 <file path=customXml/item1.xml><?xml version="1.0" encoding="utf-8"?>
+<?mso-contentType ?>
+<FormTemplates xmlns="http://schemas.microsoft.com/sharepoint/v3/contenttype/forms">
+  <Display>DocumentLibraryForm</Display>
+  <Edit>DocumentLibraryForm</Edit>
+  <New>DocumentLibraryForm</New>
+</FormTemplates>
+</file>
+
+<file path=customXml/item2.xml><?xml version="1.0" encoding="utf-8"?>
 <ct:contentTypeSchema xmlns:ct="http://schemas.microsoft.com/office/2006/metadata/contentType" xmlns:ma="http://schemas.microsoft.com/office/2006/metadata/properties/metaAttributes" ct:_="" ma:_="" ma:contentTypeName="Documento" ma:contentTypeID="0x0101000795DC1C12F97D43B6F43514F1EF1288" ma:contentTypeVersion="10" ma:contentTypeDescription="Crear nuevo documento." ma:contentTypeScope="" ma:versionID="05141dced9a48e4e302dd57cb3ab5fef">
   <xsd:schema xmlns:xsd="http://www.w3.org/2001/XMLSchema" xmlns:xs="http://www.w3.org/2001/XMLSchema" xmlns:p="http://schemas.microsoft.com/office/2006/metadata/properties" xmlns:ns3="f105a18c-f1b5-457e-8caf-8e59dd9618ba" xmlns:ns4="769f9823-2d1b-4141-9a95-a27efe7bdabc" targetNamespace="http://schemas.microsoft.com/office/2006/metadata/properties" ma:root="true" ma:fieldsID="e46759a0e3843dcbf3a8f689f52ee5f3" ns3:_="" ns4:_="">
     <xsd:import namespace="f105a18c-f1b5-457e-8caf-8e59dd9618ba"/>
@@ -42990,15 +43130,6 @@
 </ct:contentTypeSchema>
 </file>
 
-<file path=customXml/item2.xml><?xml version="1.0" encoding="utf-8"?>
-<?mso-contentType ?>
-<FormTemplates xmlns="http://schemas.microsoft.com/sharepoint/v3/contenttype/forms">
-  <Display>DocumentLibraryForm</Display>
-  <Edit>DocumentLibraryForm</Edit>
-  <New>DocumentLibraryForm</New>
-</FormTemplates>
-</file>
-
 <file path=customXml/item3.xml><?xml version="1.0" encoding="utf-8"?>
 <p:properties xmlns:p="http://schemas.microsoft.com/office/2006/metadata/properties" xmlns:xsi="http://www.w3.org/2001/XMLSchema-instance" xmlns:pc="http://schemas.microsoft.com/office/infopath/2007/PartnerControls">
   <documentManagement/>
@@ -43006,6 +43137,14 @@
 </file>
 
 <file path=customXml/itemProps1.xml><?xml version="1.0" encoding="utf-8"?>
+<ds:datastoreItem xmlns:ds="http://schemas.openxmlformats.org/officeDocument/2006/customXml" ds:itemID="{0C2BF195-E872-4F3E-B6BC-7726BFD8CD72}">
+  <ds:schemaRefs>
+    <ds:schemaRef ds:uri="http://schemas.microsoft.com/sharepoint/v3/contenttype/forms"/>
+  </ds:schemaRefs>
+</ds:datastoreItem>
+</file>
+
+<file path=customXml/itemProps2.xml><?xml version="1.0" encoding="utf-8"?>
 <ds:datastoreItem xmlns:ds="http://schemas.openxmlformats.org/officeDocument/2006/customXml" ds:itemID="{C935D421-8F86-4FE0-BE1B-F0D2D062C488}">
   <ds:schemaRefs>
     <ds:schemaRef ds:uri="769f9823-2d1b-4141-9a95-a27efe7bdabc"/>
@@ -43020,14 +43159,6 @@
     <ds:schemaRef ds:uri="http://schemas.microsoft.com/office/infopath/2007/PartnerControls"/>
     <ds:schemaRef ds:uri="http://schemas.openxmlformats.org/package/2006/metadata/core-properties"/>
     <ds:schemaRef ds:uri="http://www.w3.org/2001/XMLSchema"/>
-  </ds:schemaRefs>
-</ds:datastoreItem>
-</file>
-
-<file path=customXml/itemProps2.xml><?xml version="1.0" encoding="utf-8"?>
-<ds:datastoreItem xmlns:ds="http://schemas.openxmlformats.org/officeDocument/2006/customXml" ds:itemID="{0C2BF195-E872-4F3E-B6BC-7726BFD8CD72}">
-  <ds:schemaRefs>
-    <ds:schemaRef ds:uri="http://schemas.microsoft.com/sharepoint/v3/contenttype/forms"/>
   </ds:schemaRefs>
 </ds:datastoreItem>
 </file>
